--- a/Classification DT Presentation.pptx
+++ b/Classification DT Presentation.pptx
@@ -402,7 +402,7 @@
           <a:p>
             <a:fld id="{397E0307-B85C-446A-8EF0-0407D435D787}" type="datetimeFigureOut">
               <a:rPr lang="en-US" dirty="0"/>
-              <a:t>14-Dec-22</a:t>
+              <a:t>27-Dec-22</a:t>
             </a:fld>
             <a:endParaRPr lang="en-US" dirty="0"/>
           </a:p>
@@ -811,7 +811,7 @@
           <a:p>
             <a:fld id="{8BD862E7-95FA-4FC4-9EC5-DDBFA8DC7417}" type="datetimeFigureOut">
               <a:rPr lang="en-US" dirty="0"/>
-              <a:t>14-Dec-22</a:t>
+              <a:t>27-Dec-22</a:t>
             </a:fld>
             <a:endParaRPr lang="en-US" dirty="0"/>
           </a:p>
@@ -1142,7 +1142,7 @@
           <a:p>
             <a:fld id="{8DB987F2-A784-4F72-BB57-0E9EACDE722E}" type="datetimeFigureOut">
               <a:rPr lang="en-US" dirty="0"/>
-              <a:t>14-Dec-22</a:t>
+              <a:t>27-Dec-22</a:t>
             </a:fld>
             <a:endParaRPr lang="en-US" dirty="0"/>
           </a:p>
@@ -1542,7 +1542,7 @@
           <a:p>
             <a:fld id="{40BBD51E-4B19-444E-85C0-DBD7EB6263F4}" type="datetimeFigureOut">
               <a:rPr lang="en-US" dirty="0"/>
-              <a:t>14-Dec-22</a:t>
+              <a:t>27-Dec-22</a:t>
             </a:fld>
             <a:endParaRPr lang="en-US" dirty="0"/>
           </a:p>
@@ -2105,7 +2105,7 @@
           <a:p>
             <a:fld id="{F0D7255A-4AD5-4D3E-9A0A-689DA3BA976C}" type="datetimeFigureOut">
               <a:rPr lang="en-US" dirty="0"/>
-              <a:t>14-Dec-22</a:t>
+              <a:t>27-Dec-22</a:t>
             </a:fld>
             <a:endParaRPr lang="en-US" dirty="0"/>
           </a:p>
@@ -2781,7 +2781,7 @@
           <a:p>
             <a:fld id="{3EE0AD15-87AC-45B2-9EE5-8D165AF83CD7}" type="datetimeFigureOut">
               <a:rPr lang="en-US" dirty="0"/>
-              <a:t>14-Dec-22</a:t>
+              <a:t>27-Dec-22</a:t>
             </a:fld>
             <a:endParaRPr lang="en-US" dirty="0"/>
           </a:p>
@@ -3689,7 +3689,7 @@
           <a:p>
             <a:fld id="{FCC40CCD-F0D6-4CC2-A4C8-2D7D0D875F02}" type="datetimeFigureOut">
               <a:rPr lang="en-US" dirty="0"/>
-              <a:t>14-Dec-22</a:t>
+              <a:t>27-Dec-22</a:t>
             </a:fld>
             <a:endParaRPr lang="en-US" dirty="0"/>
           </a:p>
@@ -3997,7 +3997,7 @@
           <a:p>
             <a:fld id="{B3CFE2CC-454D-4466-AC55-B86DA0A87BAE}" type="datetimeFigureOut">
               <a:rPr lang="en-US" dirty="0"/>
-              <a:t>14-Dec-22</a:t>
+              <a:t>27-Dec-22</a:t>
             </a:fld>
             <a:endParaRPr lang="en-US" dirty="0"/>
           </a:p>
@@ -4256,7 +4256,7 @@
           <a:p>
             <a:fld id="{B647B1BF-4039-460D-A637-65428CBD720E}" type="datetimeFigureOut">
               <a:rPr lang="en-US" dirty="0"/>
-              <a:t>14-Dec-22</a:t>
+              <a:t>27-Dec-22</a:t>
             </a:fld>
             <a:endParaRPr lang="en-US" dirty="0"/>
           </a:p>
@@ -4575,7 +4575,7 @@
           <a:p>
             <a:fld id="{AAA39ACE-9343-4EBE-B5CA-AEA240A1DC53}" type="datetimeFigureOut">
               <a:rPr lang="en-US" dirty="0"/>
-              <a:t>14-Dec-22</a:t>
+              <a:t>27-Dec-22</a:t>
             </a:fld>
             <a:endParaRPr lang="en-US" dirty="0"/>
           </a:p>
@@ -4959,7 +4959,7 @@
           <a:p>
             <a:fld id="{C9A00F7B-89C5-4DF7-A309-6263220147D4}" type="datetimeFigureOut">
               <a:rPr lang="en-US" dirty="0"/>
-              <a:t>14-Dec-22</a:t>
+              <a:t>27-Dec-22</a:t>
             </a:fld>
             <a:endParaRPr lang="en-US" dirty="0"/>
           </a:p>
@@ -5330,7 +5330,7 @@
           <a:p>
             <a:fld id="{449C95DE-FD64-4606-AE61-EC1136867CC6}" type="datetimeFigureOut">
               <a:rPr lang="en-US" dirty="0"/>
-              <a:t>14-Dec-22</a:t>
+              <a:t>27-Dec-22</a:t>
             </a:fld>
             <a:endParaRPr lang="en-US" dirty="0"/>
           </a:p>
@@ -5831,7 +5831,7 @@
           <a:p>
             <a:fld id="{5DEB0BBD-30FE-4CF1-900A-0C45149F8AF8}" type="datetimeFigureOut">
               <a:rPr lang="en-US" dirty="0"/>
-              <a:t>14-Dec-22</a:t>
+              <a:t>27-Dec-22</a:t>
             </a:fld>
             <a:endParaRPr lang="en-US" dirty="0"/>
           </a:p>
@@ -6083,7 +6083,7 @@
           <a:p>
             <a:fld id="{B91A5F7F-3E81-4C65-A4D1-CB62D5B9DB91}" type="datetimeFigureOut">
               <a:rPr lang="en-US" dirty="0"/>
-              <a:t>14-Dec-22</a:t>
+              <a:t>27-Dec-22</a:t>
             </a:fld>
             <a:endParaRPr lang="en-US" dirty="0"/>
           </a:p>
@@ -6241,7 +6241,7 @@
           <a:p>
             <a:fld id="{377ECC86-1672-4627-AEFE-EC5485C73905}" type="datetimeFigureOut">
               <a:rPr lang="en-US" dirty="0"/>
-              <a:t>14-Dec-22</a:t>
+              <a:t>27-Dec-22</a:t>
             </a:fld>
             <a:endParaRPr lang="en-US" dirty="0"/>
           </a:p>
@@ -6626,7 +6626,7 @@
           <a:p>
             <a:fld id="{3CDCB01F-D966-4C62-B900-0BE008A90C98}" type="datetimeFigureOut">
               <a:rPr lang="en-US" dirty="0"/>
-              <a:t>14-Dec-22</a:t>
+              <a:t>27-Dec-22</a:t>
             </a:fld>
             <a:endParaRPr lang="en-US" dirty="0"/>
           </a:p>
@@ -7030,7 +7030,7 @@
           <a:p>
             <a:fld id="{5E73A0EA-7DC7-4964-BB97-B173EF3B859A}" type="datetimeFigureOut">
               <a:rPr lang="en-US" dirty="0"/>
-              <a:t>14-Dec-22</a:t>
+              <a:t>27-Dec-22</a:t>
             </a:fld>
             <a:endParaRPr lang="en-US" dirty="0"/>
           </a:p>
@@ -7269,7 +7269,7 @@
           <a:p>
             <a:fld id="{30EF52CC-F3D9-41D4-BCE4-C208E61A3F31}" type="datetimeFigureOut">
               <a:rPr lang="en-US" dirty="0"/>
-              <a:t>14-Dec-22</a:t>
+              <a:t>27-Dec-22</a:t>
             </a:fld>
             <a:endParaRPr lang="en-US" dirty="0"/>
           </a:p>
@@ -8555,7 +8555,7 @@
           <p:nvPr>
             <p:extLst>
               <p:ext uri="{D42A27DB-BD31-4B8C-83A1-F6EECF244321}">
-                <p14:modId xmlns:p14="http://schemas.microsoft.com/office/powerpoint/2010/main" val="1053362771"/>
+                <p14:modId xmlns:p14="http://schemas.microsoft.com/office/powerpoint/2010/main" val="1279786720"/>
               </p:ext>
             </p:extLst>
           </p:nvPr>
@@ -8694,7 +8694,7 @@
                     <a:p>
                       <a:r>
                         <a:rPr lang="en-US" dirty="0" smtClean="0"/>
-                        <a:t>87</a:t>
+                        <a:t>319</a:t>
                       </a:r>
                       <a:endParaRPr lang="en-US" dirty="0"/>
                     </a:p>
@@ -8708,7 +8708,7 @@
                     <a:p>
                       <a:r>
                         <a:rPr lang="en-US" dirty="0" smtClean="0"/>
-                        <a:t>7                      </a:t>
+                        <a:t>27                      </a:t>
                       </a:r>
                       <a:endParaRPr lang="en-US" dirty="0"/>
                     </a:p>
@@ -8722,7 +8722,7 @@
                     <a:p>
                       <a:r>
                         <a:rPr lang="en-US" dirty="0" smtClean="0"/>
-                        <a:t>15              </a:t>
+                        <a:t>65             </a:t>
                       </a:r>
                       <a:endParaRPr lang="en-US" dirty="0"/>
                     </a:p>
@@ -8736,7 +8736,7 @@
                     <a:p>
                       <a:r>
                         <a:rPr lang="en-US" dirty="0" smtClean="0"/>
-                        <a:t>6</a:t>
+                        <a:t>19</a:t>
                       </a:r>
                       <a:endParaRPr lang="en-US" dirty="0"/>
                     </a:p>
@@ -8785,7 +8785,7 @@
                     <a:p>
                       <a:r>
                         <a:rPr lang="en-US" dirty="0" smtClean="0"/>
-                        <a:t>0</a:t>
+                        <a:t>36</a:t>
                       </a:r>
                       <a:endParaRPr lang="en-US" dirty="0"/>
                     </a:p>
@@ -8799,7 +8799,7 @@
                     <a:p>
                       <a:r>
                         <a:rPr lang="en-US" dirty="0" smtClean="0"/>
-                        <a:t>0</a:t>
+                        <a:t>94</a:t>
                       </a:r>
                       <a:endParaRPr lang="en-US" dirty="0"/>
                     </a:p>
@@ -8813,7 +8813,7 @@
                     <a:p>
                       <a:r>
                         <a:rPr lang="en-US" dirty="0" smtClean="0"/>
-                        <a:t>0</a:t>
+                        <a:t>52</a:t>
                       </a:r>
                       <a:endParaRPr lang="en-US" dirty="0"/>
                     </a:p>
@@ -8827,7 +8827,7 @@
                     <a:p>
                       <a:r>
                         <a:rPr lang="en-US" dirty="0" smtClean="0"/>
-                        <a:t>0</a:t>
+                        <a:t>3</a:t>
                       </a:r>
                       <a:endParaRPr lang="en-US" dirty="0"/>
                     </a:p>
@@ -8881,7 +8881,7 @@
                     <a:p>
                       <a:r>
                         <a:rPr lang="en-US" dirty="0" smtClean="0"/>
-                        <a:t>31</a:t>
+                        <a:t>37</a:t>
                       </a:r>
                       <a:endParaRPr lang="en-US" dirty="0"/>
                     </a:p>
@@ -8895,7 +8895,7 @@
                     <a:p>
                       <a:r>
                         <a:rPr lang="en-US" dirty="0" smtClean="0"/>
-                        <a:t>34</a:t>
+                        <a:t>21</a:t>
                       </a:r>
                       <a:endParaRPr lang="en-US" dirty="0"/>
                     </a:p>
@@ -8909,7 +8909,7 @@
                     <a:p>
                       <a:r>
                         <a:rPr lang="en-US" dirty="0" smtClean="0"/>
-                        <a:t>49</a:t>
+                        <a:t>40</a:t>
                       </a:r>
                       <a:endParaRPr lang="en-US" dirty="0"/>
                     </a:p>
@@ -8923,7 +8923,7 @@
                     <a:p>
                       <a:r>
                         <a:rPr lang="en-US" dirty="0" smtClean="0"/>
-                        <a:t>12</a:t>
+                        <a:t>14</a:t>
                       </a:r>
                       <a:endParaRPr lang="en-US" dirty="0"/>
                     </a:p>
@@ -9087,7 +9087,7 @@
           <p:nvPr>
             <p:extLst>
               <p:ext uri="{D42A27DB-BD31-4B8C-83A1-F6EECF244321}">
-                <p14:modId xmlns:p14="http://schemas.microsoft.com/office/powerpoint/2010/main" val="4101386634"/>
+                <p14:modId xmlns:p14="http://schemas.microsoft.com/office/powerpoint/2010/main" val="1826018244"/>
               </p:ext>
             </p:extLst>
           </p:nvPr>
@@ -9226,7 +9226,7 @@
                     <a:p>
                       <a:r>
                         <a:rPr lang="en-US" dirty="0" smtClean="0"/>
-                        <a:t>19</a:t>
+                        <a:t>86</a:t>
                       </a:r>
                       <a:endParaRPr lang="en-US" dirty="0"/>
                     </a:p>
@@ -9240,7 +9240,7 @@
                     <a:p>
                       <a:r>
                         <a:rPr lang="en-US" dirty="0" smtClean="0"/>
-                        <a:t>2                </a:t>
+                        <a:t>5</a:t>
                       </a:r>
                       <a:endParaRPr lang="en-US" dirty="0"/>
                     </a:p>
@@ -9254,7 +9254,7 @@
                     <a:p>
                       <a:r>
                         <a:rPr lang="en-US" dirty="0" smtClean="0"/>
-                        <a:t>3</a:t>
+                        <a:t>22</a:t>
                       </a:r>
                       <a:endParaRPr lang="en-US" dirty="0"/>
                     </a:p>
@@ -9268,7 +9268,7 @@
                     <a:p>
                       <a:r>
                         <a:rPr lang="en-US" dirty="0" smtClean="0"/>
-                        <a:t>1</a:t>
+                        <a:t>4</a:t>
                       </a:r>
                       <a:endParaRPr lang="en-US" dirty="0"/>
                     </a:p>
@@ -9303,6 +9303,7 @@
                         <a:rPr lang="en-US" dirty="0" smtClean="0"/>
                         <a:t>atypical angina</a:t>
                       </a:r>
+                      <a:endParaRPr lang="en-US" dirty="0" smtClean="0"/>
                     </a:p>
                     <a:p>
                       <a:endParaRPr lang="en-US" dirty="0"/>
@@ -9317,7 +9318,7 @@
                     <a:p>
                       <a:r>
                         <a:rPr lang="en-US" dirty="0" smtClean="0"/>
-                        <a:t>0</a:t>
+                        <a:t>8</a:t>
                       </a:r>
                       <a:endParaRPr lang="en-US" dirty="0"/>
                     </a:p>
@@ -9331,7 +9332,7 @@
                     <a:p>
                       <a:r>
                         <a:rPr lang="en-US" dirty="0" smtClean="0"/>
-                        <a:t>0</a:t>
+                        <a:t>18</a:t>
                       </a:r>
                       <a:endParaRPr lang="en-US" dirty="0"/>
                     </a:p>
@@ -9345,7 +9346,7 @@
                     <a:p>
                       <a:r>
                         <a:rPr lang="en-US" dirty="0" smtClean="0"/>
-                        <a:t>0</a:t>
+                        <a:t>14</a:t>
                       </a:r>
                       <a:endParaRPr lang="en-US" dirty="0"/>
                     </a:p>
@@ -9359,7 +9360,7 @@
                     <a:p>
                       <a:r>
                         <a:rPr lang="en-US" dirty="0" smtClean="0"/>
-                        <a:t>0</a:t>
+                        <a:t>4</a:t>
                       </a:r>
                       <a:endParaRPr lang="en-US" dirty="0"/>
                     </a:p>
@@ -9413,7 +9414,7 @@
                     <a:p>
                       <a:r>
                         <a:rPr lang="en-US" dirty="0" smtClean="0"/>
-                        <a:t>9</a:t>
+                        <a:t>10</a:t>
                       </a:r>
                       <a:endParaRPr lang="en-US" dirty="0"/>
                     </a:p>
@@ -9427,7 +9428,7 @@
                     <a:p>
                       <a:r>
                         <a:rPr lang="en-US" dirty="0" smtClean="0"/>
-                        <a:t>7</a:t>
+                        <a:t>8</a:t>
                       </a:r>
                       <a:endParaRPr lang="en-US" dirty="0"/>
                     </a:p>
@@ -9441,7 +9442,7 @@
                     <a:p>
                       <a:r>
                         <a:rPr lang="en-US" dirty="0" smtClean="0"/>
-                        <a:t>17</a:t>
+                        <a:t>10</a:t>
                       </a:r>
                       <a:endParaRPr lang="en-US" dirty="0"/>
                     </a:p>
@@ -9455,7 +9456,7 @@
                     <a:p>
                       <a:r>
                         <a:rPr lang="en-US" dirty="0" smtClean="0"/>
-                        <a:t>4</a:t>
+                        <a:t>2</a:t>
                       </a:r>
                       <a:endParaRPr lang="en-US" dirty="0"/>
                     </a:p>
@@ -9797,7 +9798,7 @@
           <p:nvPr>
             <p:extLst>
               <p:ext uri="{D42A27DB-BD31-4B8C-83A1-F6EECF244321}">
-                <p14:modId xmlns:p14="http://schemas.microsoft.com/office/powerpoint/2010/main" val="3499031987"/>
+                <p14:modId xmlns:p14="http://schemas.microsoft.com/office/powerpoint/2010/main" val="3022405308"/>
               </p:ext>
             </p:extLst>
           </p:nvPr>
@@ -9879,7 +9880,97 @@
                           <a:latin typeface="Calibri" panose="020F0502020204030204" pitchFamily="34" charset="0"/>
                           <a:cs typeface="Calibri" panose="020F0502020204030204" pitchFamily="34" charset="0"/>
                         </a:rPr>
-                        <a:t> based criteria and information based criteria. The prediction accuracy result shows that Gini recorded 0.5967742 while Information Gain recorded 0.5806452. This means that the best splitting model accuracy is Gini based splitting criteria more than the information gain splitting.</a:t>
+                        <a:t> based criteria and information based criteria. The prediction accuracy result shows that Gini recorded </a:t>
+                      </a:r>
+                      <a:r>
+                        <a:rPr lang="en-US" sz="2000" baseline="0" dirty="0" smtClean="0">
+                          <a:solidFill>
+                            <a:schemeClr val="tx1"/>
+                          </a:solidFill>
+                          <a:latin typeface="Calibri" panose="020F0502020204030204" pitchFamily="34" charset="0"/>
+                          <a:cs typeface="Calibri" panose="020F0502020204030204" pitchFamily="34" charset="0"/>
+                        </a:rPr>
+                        <a:t>0.6335079 </a:t>
+                      </a:r>
+                      <a:r>
+                        <a:rPr lang="en-US" sz="2000" baseline="0" dirty="0" smtClean="0">
+                          <a:solidFill>
+                            <a:schemeClr val="tx1"/>
+                          </a:solidFill>
+                          <a:latin typeface="Calibri" panose="020F0502020204030204" pitchFamily="34" charset="0"/>
+                          <a:cs typeface="Calibri" panose="020F0502020204030204" pitchFamily="34" charset="0"/>
+                        </a:rPr>
+                        <a:t>while Information Gain recorded </a:t>
+                      </a:r>
+                      <a:r>
+                        <a:rPr lang="en-US" sz="2000" baseline="0" dirty="0" smtClean="0">
+                          <a:solidFill>
+                            <a:schemeClr val="tx1"/>
+                          </a:solidFill>
+                          <a:latin typeface="Calibri" panose="020F0502020204030204" pitchFamily="34" charset="0"/>
+                          <a:cs typeface="Calibri" panose="020F0502020204030204" pitchFamily="34" charset="0"/>
+                        </a:rPr>
+                        <a:t>0.6544503. </a:t>
+                      </a:r>
+                      <a:r>
+                        <a:rPr lang="en-US" sz="2000" baseline="0" dirty="0" smtClean="0">
+                          <a:solidFill>
+                            <a:schemeClr val="tx1"/>
+                          </a:solidFill>
+                          <a:latin typeface="Calibri" panose="020F0502020204030204" pitchFamily="34" charset="0"/>
+                          <a:cs typeface="Calibri" panose="020F0502020204030204" pitchFamily="34" charset="0"/>
+                        </a:rPr>
+                        <a:t>This means that the best splitting model accuracy is </a:t>
+                      </a:r>
+                      <a:r>
+                        <a:rPr lang="en-US" sz="2000" baseline="0" dirty="0" smtClean="0">
+                          <a:solidFill>
+                            <a:schemeClr val="tx1"/>
+                          </a:solidFill>
+                          <a:latin typeface="Calibri" panose="020F0502020204030204" pitchFamily="34" charset="0"/>
+                          <a:cs typeface="Calibri" panose="020F0502020204030204" pitchFamily="34" charset="0"/>
+                        </a:rPr>
+                        <a:t>information gain </a:t>
+                      </a:r>
+                      <a:r>
+                        <a:rPr lang="en-US" sz="2000" baseline="0" dirty="0" smtClean="0">
+                          <a:solidFill>
+                            <a:schemeClr val="tx1"/>
+                          </a:solidFill>
+                          <a:latin typeface="Calibri" panose="020F0502020204030204" pitchFamily="34" charset="0"/>
+                          <a:cs typeface="Calibri" panose="020F0502020204030204" pitchFamily="34" charset="0"/>
+                        </a:rPr>
+                        <a:t>based splitting criteria more than the </a:t>
+                      </a:r>
+                      <a:r>
+                        <a:rPr lang="en-US" sz="2000" baseline="0" dirty="0" err="1" smtClean="0">
+                          <a:solidFill>
+                            <a:schemeClr val="tx1"/>
+                          </a:solidFill>
+                          <a:latin typeface="Calibri" panose="020F0502020204030204" pitchFamily="34" charset="0"/>
+                          <a:cs typeface="Calibri" panose="020F0502020204030204" pitchFamily="34" charset="0"/>
+                        </a:rPr>
+                        <a:t>gini</a:t>
+                      </a:r>
+                      <a:r>
+                        <a:rPr lang="en-US" sz="2000" baseline="0" dirty="0" smtClean="0">
+                          <a:solidFill>
+                            <a:schemeClr val="tx1"/>
+                          </a:solidFill>
+                          <a:latin typeface="Calibri" panose="020F0502020204030204" pitchFamily="34" charset="0"/>
+                          <a:cs typeface="Calibri" panose="020F0502020204030204" pitchFamily="34" charset="0"/>
+                        </a:rPr>
+                        <a:t> splitting</a:t>
+                      </a:r>
+                      <a:r>
+                        <a:rPr lang="en-US" sz="2000" baseline="0" dirty="0" smtClean="0">
+                          <a:solidFill>
+                            <a:schemeClr val="tx1"/>
+                          </a:solidFill>
+                          <a:latin typeface="Calibri" panose="020F0502020204030204" pitchFamily="34" charset="0"/>
+                          <a:cs typeface="Calibri" panose="020F0502020204030204" pitchFamily="34" charset="0"/>
+                        </a:rPr>
+                        <a:t>.</a:t>
                       </a:r>
                       <a:endParaRPr lang="en-US" sz="2000" dirty="0" smtClean="0">
                         <a:solidFill>
@@ -10252,30 +10343,6 @@
           </a:graphicData>
         </a:graphic>
       </p:graphicFrame>
-      <p:pic>
-        <p:nvPicPr>
-          <p:cNvPr id="8" name="Picture 7"/>
-          <p:cNvPicPr>
-            <a:picLocks noChangeAspect="1"/>
-          </p:cNvPicPr>
-          <p:nvPr/>
-        </p:nvPicPr>
-        <p:blipFill>
-          <a:blip r:embed="rId2"/>
-          <a:stretch>
-            <a:fillRect/>
-          </a:stretch>
-        </p:blipFill>
-        <p:spPr>
-          <a:xfrm>
-            <a:off x="130741" y="3064240"/>
-            <a:ext cx="5952381" cy="3676190"/>
-          </a:xfrm>
-          <a:prstGeom prst="rect">
-            <a:avLst/>
-          </a:prstGeom>
-        </p:spPr>
-      </p:pic>
       <p:graphicFrame>
         <p:nvGraphicFramePr>
           <p:cNvPr id="11" name="Table 10"/>
@@ -10285,7 +10352,7 @@
           <p:nvPr>
             <p:extLst>
               <p:ext uri="{D42A27DB-BD31-4B8C-83A1-F6EECF244321}">
-                <p14:modId xmlns:p14="http://schemas.microsoft.com/office/powerpoint/2010/main" val="515728752"/>
+                <p14:modId xmlns:p14="http://schemas.microsoft.com/office/powerpoint/2010/main" val="2834389040"/>
               </p:ext>
             </p:extLst>
           </p:nvPr>
@@ -10391,7 +10458,7 @@
                     <a:p>
                       <a:r>
                         <a:rPr lang="en-US" dirty="0" smtClean="0"/>
-                        <a:t>0.14634146</a:t>
+                        <a:t>0.10746269</a:t>
                       </a:r>
                       <a:endParaRPr lang="en-US" dirty="0"/>
                     </a:p>
@@ -10933,6 +11000,30 @@
           </a:p>
         </p:txBody>
       </p:sp>
+      <p:pic>
+        <p:nvPicPr>
+          <p:cNvPr id="9" name="Picture 8"/>
+          <p:cNvPicPr>
+            <a:picLocks noChangeAspect="1"/>
+          </p:cNvPicPr>
+          <p:nvPr/>
+        </p:nvPicPr>
+        <p:blipFill>
+          <a:blip r:embed="rId2"/>
+          <a:stretch>
+            <a:fillRect/>
+          </a:stretch>
+        </p:blipFill>
+        <p:spPr>
+          <a:xfrm>
+            <a:off x="54169" y="3059478"/>
+            <a:ext cx="5961905" cy="3685714"/>
+          </a:xfrm>
+          <a:prstGeom prst="rect">
+            <a:avLst/>
+          </a:prstGeom>
+        </p:spPr>
+      </p:pic>
     </p:spTree>
     <p:extLst>
       <p:ext uri="{BB962C8B-B14F-4D97-AF65-F5344CB8AC3E}">
@@ -11165,30 +11256,6 @@
           </a:graphicData>
         </a:graphic>
       </p:graphicFrame>
-      <p:pic>
-        <p:nvPicPr>
-          <p:cNvPr id="7" name="Picture 6"/>
-          <p:cNvPicPr>
-            <a:picLocks noChangeAspect="1"/>
-          </p:cNvPicPr>
-          <p:nvPr/>
-        </p:nvPicPr>
-        <p:blipFill>
-          <a:blip r:embed="rId2"/>
-          <a:stretch>
-            <a:fillRect/>
-          </a:stretch>
-        </p:blipFill>
-        <p:spPr>
-          <a:xfrm>
-            <a:off x="3796927" y="1847259"/>
-            <a:ext cx="5952381" cy="3676190"/>
-          </a:xfrm>
-          <a:prstGeom prst="rect">
-            <a:avLst/>
-          </a:prstGeom>
-        </p:spPr>
-      </p:pic>
       <p:graphicFrame>
         <p:nvGraphicFramePr>
           <p:cNvPr id="8" name="Table 7"/>
@@ -11262,6 +11329,30 @@
           </a:graphicData>
         </a:graphic>
       </p:graphicFrame>
+      <p:pic>
+        <p:nvPicPr>
+          <p:cNvPr id="9" name="Picture 8"/>
+          <p:cNvPicPr>
+            <a:picLocks noChangeAspect="1"/>
+          </p:cNvPicPr>
+          <p:nvPr/>
+        </p:nvPicPr>
+        <p:blipFill>
+          <a:blip r:embed="rId2"/>
+          <a:stretch>
+            <a:fillRect/>
+          </a:stretch>
+        </p:blipFill>
+        <p:spPr>
+          <a:xfrm>
+            <a:off x="3324284" y="2124075"/>
+            <a:ext cx="5961905" cy="3685714"/>
+          </a:xfrm>
+          <a:prstGeom prst="rect">
+            <a:avLst/>
+          </a:prstGeom>
+        </p:spPr>
+      </p:pic>
     </p:spTree>
     <p:extLst>
       <p:ext uri="{BB962C8B-B14F-4D97-AF65-F5344CB8AC3E}">
@@ -12666,14 +12757,14 @@
           <p:nvPr>
             <p:extLst>
               <p:ext uri="{D42A27DB-BD31-4B8C-83A1-F6EECF244321}">
-                <p14:modId xmlns:p14="http://schemas.microsoft.com/office/powerpoint/2010/main" val="266900956"/>
+                <p14:modId xmlns:p14="http://schemas.microsoft.com/office/powerpoint/2010/main" val="4279083376"/>
               </p:ext>
             </p:extLst>
           </p:nvPr>
         </p:nvGraphicFramePr>
         <p:xfrm>
-          <a:off x="474372" y="749809"/>
-          <a:ext cx="11217498" cy="5236464"/>
+          <a:off x="474372" y="1355117"/>
+          <a:ext cx="11217498" cy="4248912"/>
         </p:xfrm>
         <a:graphic>
           <a:graphicData uri="http://schemas.openxmlformats.org/drawingml/2006/table">
@@ -12684,7 +12775,7 @@
               <a:tblGrid>
                 <a:gridCol w="11217498"/>
               </a:tblGrid>
-              <a:tr h="4878259">
+              <a:tr h="4152526">
                 <a:tc>
                   <a:txBody>
                     <a:bodyPr/>
@@ -13022,7 +13113,7 @@
                           <a:latin typeface="Calibri" panose="020F0502020204030204" pitchFamily="34" charset="0"/>
                           <a:cs typeface="Calibri" panose="020F0502020204030204" pitchFamily="34" charset="0"/>
                         </a:rPr>
-                        <a:t>Rows with missing values removed</a:t>
+                        <a:t>2 duplicate cells removed</a:t>
                       </a:r>
                     </a:p>
                     <a:p>
@@ -13043,7 +13134,17 @@
                           <a:latin typeface="Calibri" panose="020F0502020204030204" pitchFamily="34" charset="0"/>
                           <a:cs typeface="Calibri" panose="020F0502020204030204" pitchFamily="34" charset="0"/>
                         </a:rPr>
-                        <a:t>2 duplicate cells removed</a:t>
+                        <a:t>ID </a:t>
+                      </a:r>
+                      <a:r>
+                        <a:rPr lang="en-US" sz="1800" dirty="0" smtClean="0">
+                          <a:solidFill>
+                            <a:schemeClr val="bg1"/>
+                          </a:solidFill>
+                          <a:latin typeface="Calibri" panose="020F0502020204030204" pitchFamily="34" charset="0"/>
+                          <a:cs typeface="Calibri" panose="020F0502020204030204" pitchFamily="34" charset="0"/>
+                        </a:rPr>
+                        <a:t>column removed</a:t>
                       </a:r>
                     </a:p>
                     <a:p>
@@ -13064,27 +13165,6 @@
                           <a:latin typeface="Calibri" panose="020F0502020204030204" pitchFamily="34" charset="0"/>
                           <a:cs typeface="Calibri" panose="020F0502020204030204" pitchFamily="34" charset="0"/>
                         </a:rPr>
-                        <a:t>ID column removed</a:t>
-                      </a:r>
-                    </a:p>
-                    <a:p>
-                      <a:pPr lvl="0" algn="l">
-                        <a:lnSpc>
-                          <a:spcPct val="120000"/>
-                        </a:lnSpc>
-                        <a:spcBef>
-                          <a:spcPts val="0"/>
-                        </a:spcBef>
-                        <a:buSzPts val="2000"/>
-                      </a:pPr>
-                      <a:r>
-                        <a:rPr lang="en-US" sz="1800" dirty="0" smtClean="0">
-                          <a:solidFill>
-                            <a:schemeClr val="bg1"/>
-                          </a:solidFill>
-                          <a:latin typeface="Calibri" panose="020F0502020204030204" pitchFamily="34" charset="0"/>
-                          <a:cs typeface="Calibri" panose="020F0502020204030204" pitchFamily="34" charset="0"/>
-                        </a:rPr>
                         <a:t>Columns renamed</a:t>
                       </a:r>
                       <a:r>
@@ -13097,55 +13177,6 @@
                         </a:rPr>
                         <a:t> for clarity purpose</a:t>
                       </a:r>
-                    </a:p>
-                    <a:p>
-                      <a:pPr lvl="0" algn="l">
-                        <a:lnSpc>
-                          <a:spcPct val="120000"/>
-                        </a:lnSpc>
-                        <a:spcBef>
-                          <a:spcPts val="0"/>
-                        </a:spcBef>
-                        <a:buSzPts val="2000"/>
-                      </a:pPr>
-                      <a:r>
-                        <a:rPr lang="en-US" sz="1800" baseline="0" dirty="0" smtClean="0">
-                          <a:solidFill>
-                            <a:schemeClr val="bg1"/>
-                          </a:solidFill>
-                          <a:latin typeface="Calibri" panose="020F0502020204030204" pitchFamily="34" charset="0"/>
-                          <a:cs typeface="Calibri" panose="020F0502020204030204" pitchFamily="34" charset="0"/>
-                        </a:rPr>
-                        <a:t>Finally analyzed 303 columns and 15 rows </a:t>
-                      </a:r>
-                    </a:p>
-                    <a:p>
-                      <a:pPr lvl="0" algn="l">
-                        <a:lnSpc>
-                          <a:spcPct val="120000"/>
-                        </a:lnSpc>
-                        <a:spcBef>
-                          <a:spcPts val="0"/>
-                        </a:spcBef>
-                        <a:buSzPts val="2000"/>
-                      </a:pPr>
-                      <a:r>
-                        <a:rPr lang="en-US" sz="1800" baseline="0" dirty="0" smtClean="0">
-                          <a:solidFill>
-                            <a:schemeClr val="bg1"/>
-                          </a:solidFill>
-                          <a:latin typeface="Calibri" panose="020F0502020204030204" pitchFamily="34" charset="0"/>
-                          <a:cs typeface="Calibri" panose="020F0502020204030204" pitchFamily="34" charset="0"/>
-                        </a:rPr>
-                        <a:t>Changed logical variable to numeric</a:t>
-                      </a:r>
-                      <a:endParaRPr lang="en-US" sz="1800" dirty="0" smtClean="0">
-                        <a:solidFill>
-                          <a:schemeClr val="bg1"/>
-                        </a:solidFill>
-                        <a:latin typeface="Calibri" panose="020F0502020204030204" pitchFamily="34" charset="0"/>
-                        <a:cs typeface="Calibri" panose="020F0502020204030204" pitchFamily="34" charset="0"/>
-                      </a:endParaRPr>
                     </a:p>
                     <a:p>
                       <a:endParaRPr lang="en-US" sz="2800" dirty="0"/>
@@ -13629,7 +13660,7 @@
           <p:nvPr>
             <p:extLst>
               <p:ext uri="{D42A27DB-BD31-4B8C-83A1-F6EECF244321}">
-                <p14:modId xmlns:p14="http://schemas.microsoft.com/office/powerpoint/2010/main" val="542490488"/>
+                <p14:modId xmlns:p14="http://schemas.microsoft.com/office/powerpoint/2010/main" val="1478021513"/>
               </p:ext>
             </p:extLst>
           </p:nvPr>
@@ -13704,7 +13735,47 @@
                           <a:latin typeface="Calibri" panose="020F0502020204030204" pitchFamily="34" charset="0"/>
                           <a:cs typeface="Calibri" panose="020F0502020204030204" pitchFamily="34" charset="0"/>
                         </a:rPr>
-                        <a:t> partitioning result shows that 241 rows in the training set and 61 in the testing set.</a:t>
+                        <a:t> partitioning result shows that </a:t>
+                      </a:r>
+                      <a:r>
+                        <a:rPr lang="en-US" sz="2000" baseline="0" dirty="0" smtClean="0">
+                          <a:solidFill>
+                            <a:srgbClr val="FF0000"/>
+                          </a:solidFill>
+                          <a:latin typeface="Calibri" panose="020F0502020204030204" pitchFamily="34" charset="0"/>
+                          <a:cs typeface="Calibri" panose="020F0502020204030204" pitchFamily="34" charset="0"/>
+                        </a:rPr>
+                        <a:t>727 </a:t>
+                      </a:r>
+                      <a:r>
+                        <a:rPr lang="en-US" sz="2000" baseline="0" dirty="0" smtClean="0">
+                          <a:solidFill>
+                            <a:srgbClr val="FF0000"/>
+                          </a:solidFill>
+                          <a:latin typeface="Calibri" panose="020F0502020204030204" pitchFamily="34" charset="0"/>
+                          <a:cs typeface="Calibri" panose="020F0502020204030204" pitchFamily="34" charset="0"/>
+                        </a:rPr>
+                        <a:t>rows in the training set and </a:t>
+                      </a:r>
+                      <a:r>
+                        <a:rPr lang="en-US" sz="2000" baseline="0" dirty="0" smtClean="0">
+                          <a:solidFill>
+                            <a:srgbClr val="FF0000"/>
+                          </a:solidFill>
+                          <a:latin typeface="Calibri" panose="020F0502020204030204" pitchFamily="34" charset="0"/>
+                          <a:cs typeface="Calibri" panose="020F0502020204030204" pitchFamily="34" charset="0"/>
+                        </a:rPr>
+                        <a:t>191 </a:t>
+                      </a:r>
+                      <a:r>
+                        <a:rPr lang="en-US" sz="2000" baseline="0" dirty="0" smtClean="0">
+                          <a:solidFill>
+                            <a:srgbClr val="FF0000"/>
+                          </a:solidFill>
+                          <a:latin typeface="Calibri" panose="020F0502020204030204" pitchFamily="34" charset="0"/>
+                          <a:cs typeface="Calibri" panose="020F0502020204030204" pitchFamily="34" charset="0"/>
+                        </a:rPr>
+                        <a:t>in the testing set.</a:t>
                       </a:r>
                       <a:endParaRPr lang="en-US" sz="2000" dirty="0">
                         <a:solidFill>
@@ -13947,7 +14018,7 @@
           <p:nvPr>
             <p:extLst>
               <p:ext uri="{D42A27DB-BD31-4B8C-83A1-F6EECF244321}">
-                <p14:modId xmlns:p14="http://schemas.microsoft.com/office/powerpoint/2010/main" val="3923858853"/>
+                <p14:modId xmlns:p14="http://schemas.microsoft.com/office/powerpoint/2010/main" val="2912608457"/>
               </p:ext>
             </p:extLst>
           </p:nvPr>
@@ -14030,10 +14101,8 @@
                           <a:latin typeface="Calibri" panose="020F0502020204030204" pitchFamily="34" charset="0"/>
                           <a:cs typeface="Calibri" panose="020F0502020204030204" pitchFamily="34" charset="0"/>
                         </a:rPr>
-                        <a:t>asymptomatic     146   </a:t>
-                      </a:r>
-                    </a:p>
-                    <a:p>
+                        <a:t>asymptomatic     </a:t>
+                      </a:r>
                       <a:r>
                         <a:rPr lang="en-US" sz="2000" dirty="0" smtClean="0">
                           <a:solidFill>
@@ -14042,8 +14111,44 @@
                           <a:latin typeface="Calibri" panose="020F0502020204030204" pitchFamily="34" charset="0"/>
                           <a:cs typeface="Calibri" panose="020F0502020204030204" pitchFamily="34" charset="0"/>
                         </a:rPr>
-                        <a:t>atypical angina    50 </a:t>
-                      </a:r>
+                        <a:t>496   </a:t>
+                      </a:r>
+                      <a:endParaRPr lang="en-US" sz="2000" dirty="0" smtClean="0">
+                        <a:solidFill>
+                          <a:srgbClr val="FF0000"/>
+                        </a:solidFill>
+                        <a:latin typeface="Calibri" panose="020F0502020204030204" pitchFamily="34" charset="0"/>
+                        <a:cs typeface="Calibri" panose="020F0502020204030204" pitchFamily="34" charset="0"/>
+                      </a:endParaRPr>
+                    </a:p>
+                    <a:p>
+                      <a:r>
+                        <a:rPr lang="en-US" sz="2000" dirty="0" smtClean="0">
+                          <a:solidFill>
+                            <a:srgbClr val="FF0000"/>
+                          </a:solidFill>
+                          <a:latin typeface="Calibri" panose="020F0502020204030204" pitchFamily="34" charset="0"/>
+                          <a:cs typeface="Calibri" panose="020F0502020204030204" pitchFamily="34" charset="0"/>
+                        </a:rPr>
+                        <a:t>atypical angina    </a:t>
+                      </a:r>
+                      <a:r>
+                        <a:rPr lang="en-US" sz="2000" dirty="0" smtClean="0">
+                          <a:solidFill>
+                            <a:srgbClr val="FF0000"/>
+                          </a:solidFill>
+                          <a:latin typeface="Calibri" panose="020F0502020204030204" pitchFamily="34" charset="0"/>
+                          <a:cs typeface="Calibri" panose="020F0502020204030204" pitchFamily="34" charset="0"/>
+                        </a:rPr>
+                        <a:t>173</a:t>
+                      </a:r>
+                      <a:endParaRPr lang="en-US" sz="2000" dirty="0" smtClean="0">
+                        <a:solidFill>
+                          <a:srgbClr val="FF0000"/>
+                        </a:solidFill>
+                        <a:latin typeface="Calibri" panose="020F0502020204030204" pitchFamily="34" charset="0"/>
+                        <a:cs typeface="Calibri" panose="020F0502020204030204" pitchFamily="34" charset="0"/>
+                      </a:endParaRPr>
                     </a:p>
                     <a:p>
                       <a:r>
@@ -14074,10 +14179,8 @@
                           <a:latin typeface="Calibri" panose="020F0502020204030204" pitchFamily="34" charset="0"/>
                           <a:cs typeface="Calibri" panose="020F0502020204030204" pitchFamily="34" charset="0"/>
                         </a:rPr>
-                        <a:t>          84              </a:t>
-                      </a:r>
-                    </a:p>
-                    <a:p>
+                        <a:t>          </a:t>
+                      </a:r>
                       <a:r>
                         <a:rPr lang="en-US" sz="2000" dirty="0" smtClean="0">
                           <a:solidFill>
@@ -14086,8 +14189,44 @@
                           <a:latin typeface="Calibri" panose="020F0502020204030204" pitchFamily="34" charset="0"/>
                           <a:cs typeface="Calibri" panose="020F0502020204030204" pitchFamily="34" charset="0"/>
                         </a:rPr>
-                        <a:t>typical angina      23</a:t>
-                      </a:r>
+                        <a:t>203            </a:t>
+                      </a:r>
+                      <a:endParaRPr lang="en-US" sz="2000" dirty="0" smtClean="0">
+                        <a:solidFill>
+                          <a:srgbClr val="FF0000"/>
+                        </a:solidFill>
+                        <a:latin typeface="Calibri" panose="020F0502020204030204" pitchFamily="34" charset="0"/>
+                        <a:cs typeface="Calibri" panose="020F0502020204030204" pitchFamily="34" charset="0"/>
+                      </a:endParaRPr>
+                    </a:p>
+                    <a:p>
+                      <a:r>
+                        <a:rPr lang="en-US" sz="2000" dirty="0" smtClean="0">
+                          <a:solidFill>
+                            <a:srgbClr val="FF0000"/>
+                          </a:solidFill>
+                          <a:latin typeface="Calibri" panose="020F0502020204030204" pitchFamily="34" charset="0"/>
+                          <a:cs typeface="Calibri" panose="020F0502020204030204" pitchFamily="34" charset="0"/>
+                        </a:rPr>
+                        <a:t>typical angina      </a:t>
+                      </a:r>
+                      <a:r>
+                        <a:rPr lang="en-US" sz="2000" dirty="0" smtClean="0">
+                          <a:solidFill>
+                            <a:srgbClr val="FF0000"/>
+                          </a:solidFill>
+                          <a:latin typeface="Calibri" panose="020F0502020204030204" pitchFamily="34" charset="0"/>
+                          <a:cs typeface="Calibri" panose="020F0502020204030204" pitchFamily="34" charset="0"/>
+                        </a:rPr>
+                        <a:t>46</a:t>
+                      </a:r>
+                      <a:endParaRPr lang="en-US" sz="2000" dirty="0" smtClean="0">
+                        <a:solidFill>
+                          <a:srgbClr val="FF0000"/>
+                        </a:solidFill>
+                        <a:latin typeface="Calibri" panose="020F0502020204030204" pitchFamily="34" charset="0"/>
+                        <a:cs typeface="Calibri" panose="020F0502020204030204" pitchFamily="34" charset="0"/>
+                      </a:endParaRPr>
                     </a:p>
                     <a:p>
                       <a:r>
@@ -14143,8 +14282,25 @@
                           <a:latin typeface="Calibri" panose="020F0502020204030204" pitchFamily="34" charset="0"/>
                           <a:cs typeface="Calibri" panose="020F0502020204030204" pitchFamily="34" charset="0"/>
                         </a:rPr>
-                        <a:t> &lt;= 0; criterion = 1, statistic = 55.564</a:t>
-                      </a:r>
+                        <a:t> &lt;= 0; criterion = 1, statistic = </a:t>
+                      </a:r>
+                      <a:r>
+                        <a:rPr lang="en-US" sz="2000" dirty="0" smtClean="0">
+                          <a:solidFill>
+                            <a:srgbClr val="FF0000"/>
+                          </a:solidFill>
+                          <a:latin typeface="Calibri" panose="020F0502020204030204" pitchFamily="34" charset="0"/>
+                          <a:cs typeface="Calibri" panose="020F0502020204030204" pitchFamily="34" charset="0"/>
+                        </a:rPr>
+                        <a:t>154.315</a:t>
+                      </a:r>
+                      <a:endParaRPr lang="en-US" sz="2000" dirty="0" smtClean="0">
+                        <a:solidFill>
+                          <a:srgbClr val="FF0000"/>
+                        </a:solidFill>
+                        <a:latin typeface="Calibri" panose="020F0502020204030204" pitchFamily="34" charset="0"/>
+                        <a:cs typeface="Calibri" panose="020F0502020204030204" pitchFamily="34" charset="0"/>
+                      </a:endParaRPr>
                     </a:p>
                     <a:p>
                       <a:pPr marL="457200" indent="-457200">
@@ -14168,10 +14324,8 @@
                           <a:latin typeface="Calibri" panose="020F0502020204030204" pitchFamily="34" charset="0"/>
                           <a:cs typeface="Calibri" panose="020F0502020204030204" pitchFamily="34" charset="0"/>
                         </a:rPr>
-                        <a:t> &lt;= 1.6; criterion = 0.999, statistic = 23.246</a:t>
-                      </a:r>
-                    </a:p>
-                    <a:p>
+                        <a:t> &lt;= 1.6; criterion = </a:t>
+                      </a:r>
                       <a:r>
                         <a:rPr lang="en-US" sz="2000" dirty="0" smtClean="0">
                           <a:solidFill>
@@ -14180,8 +14334,64 @@
                           <a:latin typeface="Calibri" panose="020F0502020204030204" pitchFamily="34" charset="0"/>
                           <a:cs typeface="Calibri" panose="020F0502020204030204" pitchFamily="34" charset="0"/>
                         </a:rPr>
-                        <a:t>3)*  weights = 114 </a:t>
-                      </a:r>
+                        <a:t>1, </a:t>
+                      </a:r>
+                      <a:r>
+                        <a:rPr lang="en-US" sz="2000" dirty="0" smtClean="0">
+                          <a:solidFill>
+                            <a:srgbClr val="FF0000"/>
+                          </a:solidFill>
+                          <a:latin typeface="Calibri" panose="020F0502020204030204" pitchFamily="34" charset="0"/>
+                          <a:cs typeface="Calibri" panose="020F0502020204030204" pitchFamily="34" charset="0"/>
+                        </a:rPr>
+                        <a:t>statistic = </a:t>
+                      </a:r>
+                      <a:r>
+                        <a:rPr lang="en-US" sz="2000" dirty="0" smtClean="0">
+                          <a:solidFill>
+                            <a:srgbClr val="FF0000"/>
+                          </a:solidFill>
+                          <a:latin typeface="Calibri" panose="020F0502020204030204" pitchFamily="34" charset="0"/>
+                          <a:cs typeface="Calibri" panose="020F0502020204030204" pitchFamily="34" charset="0"/>
+                        </a:rPr>
+                        <a:t>37.546</a:t>
+                      </a:r>
+                      <a:endParaRPr lang="en-US" sz="2000" dirty="0" smtClean="0">
+                        <a:solidFill>
+                          <a:srgbClr val="FF0000"/>
+                        </a:solidFill>
+                        <a:latin typeface="Calibri" panose="020F0502020204030204" pitchFamily="34" charset="0"/>
+                        <a:cs typeface="Calibri" panose="020F0502020204030204" pitchFamily="34" charset="0"/>
+                      </a:endParaRPr>
+                    </a:p>
+                    <a:p>
+                      <a:r>
+                        <a:rPr lang="en-US" sz="2000" dirty="0" smtClean="0">
+                          <a:solidFill>
+                            <a:srgbClr val="FF0000"/>
+                          </a:solidFill>
+                          <a:latin typeface="Calibri" panose="020F0502020204030204" pitchFamily="34" charset="0"/>
+                          <a:cs typeface="Calibri" panose="020F0502020204030204" pitchFamily="34" charset="0"/>
+                        </a:rPr>
+                        <a:t>3)*  weights = </a:t>
+                      </a:r>
+                      <a:r>
+                        <a:rPr lang="en-US" sz="2000" dirty="0" smtClean="0">
+                          <a:solidFill>
+                            <a:srgbClr val="FF0000"/>
+                          </a:solidFill>
+                          <a:latin typeface="Calibri" panose="020F0502020204030204" pitchFamily="34" charset="0"/>
+                          <a:cs typeface="Calibri" panose="020F0502020204030204" pitchFamily="34" charset="0"/>
+                        </a:rPr>
+                        <a:t>185 </a:t>
+                      </a:r>
+                      <a:endParaRPr lang="en-US" sz="2000" dirty="0" smtClean="0">
+                        <a:solidFill>
+                          <a:srgbClr val="FF0000"/>
+                        </a:solidFill>
+                        <a:latin typeface="Calibri" panose="020F0502020204030204" pitchFamily="34" charset="0"/>
+                        <a:cs typeface="Calibri" panose="020F0502020204030204" pitchFamily="34" charset="0"/>
+                      </a:endParaRPr>
                     </a:p>
                     <a:p>
                       <a:r>
@@ -14224,8 +14434,25 @@
                           <a:latin typeface="Calibri" panose="020F0502020204030204" pitchFamily="34" charset="0"/>
                           <a:cs typeface="Calibri" panose="020F0502020204030204" pitchFamily="34" charset="0"/>
                         </a:rPr>
-                        <a:t>4)*  weights = 12 </a:t>
-                      </a:r>
+                        <a:t>4)*  weights = </a:t>
+                      </a:r>
+                      <a:r>
+                        <a:rPr lang="en-US" sz="2000" dirty="0" smtClean="0">
+                          <a:solidFill>
+                            <a:srgbClr val="FF0000"/>
+                          </a:solidFill>
+                          <a:latin typeface="Calibri" panose="020F0502020204030204" pitchFamily="34" charset="0"/>
+                          <a:cs typeface="Calibri" panose="020F0502020204030204" pitchFamily="34" charset="0"/>
+                        </a:rPr>
+                        <a:t>35 </a:t>
+                      </a:r>
+                      <a:endParaRPr lang="en-US" sz="2000" dirty="0" smtClean="0">
+                        <a:solidFill>
+                          <a:srgbClr val="FF0000"/>
+                        </a:solidFill>
+                        <a:latin typeface="Calibri" panose="020F0502020204030204" pitchFamily="34" charset="0"/>
+                        <a:cs typeface="Calibri" panose="020F0502020204030204" pitchFamily="34" charset="0"/>
+                      </a:endParaRPr>
                     </a:p>
                     <a:p>
                       <a:r>
@@ -14300,8 +14527,25 @@
                           <a:latin typeface="Calibri" panose="020F0502020204030204" pitchFamily="34" charset="0"/>
                           <a:cs typeface="Calibri" panose="020F0502020204030204" pitchFamily="34" charset="0"/>
                         </a:rPr>
-                        <a:t>6)*  weights = 56 </a:t>
-                      </a:r>
+                        <a:t>6)*  weights = </a:t>
+                      </a:r>
+                      <a:r>
+                        <a:rPr lang="en-US" sz="2000" dirty="0" smtClean="0">
+                          <a:solidFill>
+                            <a:srgbClr val="FF0000"/>
+                          </a:solidFill>
+                          <a:latin typeface="Calibri" panose="020F0502020204030204" pitchFamily="34" charset="0"/>
+                          <a:cs typeface="Calibri" panose="020F0502020204030204" pitchFamily="34" charset="0"/>
+                        </a:rPr>
+                        <a:t>112 </a:t>
+                      </a:r>
+                      <a:endParaRPr lang="en-US" sz="2000" dirty="0" smtClean="0">
+                        <a:solidFill>
+                          <a:srgbClr val="FF0000"/>
+                        </a:solidFill>
+                        <a:latin typeface="Calibri" panose="020F0502020204030204" pitchFamily="34" charset="0"/>
+                        <a:cs typeface="Calibri" panose="020F0502020204030204" pitchFamily="34" charset="0"/>
+                      </a:endParaRPr>
                     </a:p>
                     <a:p>
                       <a:r>
@@ -14583,54 +14827,6 @@
           </a:graphicData>
         </a:graphic>
       </p:graphicFrame>
-      <p:pic>
-        <p:nvPicPr>
-          <p:cNvPr id="9" name="Picture 8"/>
-          <p:cNvPicPr>
-            <a:picLocks noChangeAspect="1"/>
-          </p:cNvPicPr>
-          <p:nvPr/>
-        </p:nvPicPr>
-        <p:blipFill>
-          <a:blip r:embed="rId2"/>
-          <a:stretch>
-            <a:fillRect/>
-          </a:stretch>
-        </p:blipFill>
-        <p:spPr>
-          <a:xfrm>
-            <a:off x="0" y="1936997"/>
-            <a:ext cx="5964743" cy="3683825"/>
-          </a:xfrm>
-          <a:prstGeom prst="rect">
-            <a:avLst/>
-          </a:prstGeom>
-        </p:spPr>
-      </p:pic>
-      <p:pic>
-        <p:nvPicPr>
-          <p:cNvPr id="10" name="Picture 9"/>
-          <p:cNvPicPr>
-            <a:picLocks noChangeAspect="1"/>
-          </p:cNvPicPr>
-          <p:nvPr/>
-        </p:nvPicPr>
-        <p:blipFill>
-          <a:blip r:embed="rId3"/>
-          <a:stretch>
-            <a:fillRect/>
-          </a:stretch>
-        </p:blipFill>
-        <p:spPr>
-          <a:xfrm>
-            <a:off x="6018671" y="1914274"/>
-            <a:ext cx="5971562" cy="3688036"/>
-          </a:xfrm>
-          <a:prstGeom prst="rect">
-            <a:avLst/>
-          </a:prstGeom>
-        </p:spPr>
-      </p:pic>
       <p:graphicFrame>
         <p:nvGraphicFramePr>
           <p:cNvPr id="11" name="Table 10"/>
@@ -14752,6 +14948,54 @@
           </a:graphicData>
         </a:graphic>
       </p:graphicFrame>
+      <p:pic>
+        <p:nvPicPr>
+          <p:cNvPr id="7" name="Picture 6"/>
+          <p:cNvPicPr>
+            <a:picLocks noChangeAspect="1"/>
+          </p:cNvPicPr>
+          <p:nvPr/>
+        </p:nvPicPr>
+        <p:blipFill>
+          <a:blip r:embed="rId2"/>
+          <a:stretch>
+            <a:fillRect/>
+          </a:stretch>
+        </p:blipFill>
+        <p:spPr>
+          <a:xfrm>
+            <a:off x="56766" y="1916596"/>
+            <a:ext cx="5961905" cy="3685714"/>
+          </a:xfrm>
+          <a:prstGeom prst="rect">
+            <a:avLst/>
+          </a:prstGeom>
+        </p:spPr>
+      </p:pic>
+      <p:pic>
+        <p:nvPicPr>
+          <p:cNvPr id="8" name="Picture 7"/>
+          <p:cNvPicPr>
+            <a:picLocks noChangeAspect="1"/>
+          </p:cNvPicPr>
+          <p:nvPr/>
+        </p:nvPicPr>
+        <p:blipFill>
+          <a:blip r:embed="rId3"/>
+          <a:stretch>
+            <a:fillRect/>
+          </a:stretch>
+        </p:blipFill>
+        <p:spPr>
+          <a:xfrm>
+            <a:off x="6083122" y="1916596"/>
+            <a:ext cx="5961905" cy="3685714"/>
+          </a:xfrm>
+          <a:prstGeom prst="rect">
+            <a:avLst/>
+          </a:prstGeom>
+        </p:spPr>
+      </p:pic>
     </p:spTree>
     <p:extLst>
       <p:ext uri="{BB962C8B-B14F-4D97-AF65-F5344CB8AC3E}">
@@ -14910,7 +15154,7 @@
           <p:nvPr>
             <p:extLst>
               <p:ext uri="{D42A27DB-BD31-4B8C-83A1-F6EECF244321}">
-                <p14:modId xmlns:p14="http://schemas.microsoft.com/office/powerpoint/2010/main" val="1344620581"/>
+                <p14:modId xmlns:p14="http://schemas.microsoft.com/office/powerpoint/2010/main" val="61352093"/>
               </p:ext>
             </p:extLst>
           </p:nvPr>
@@ -14945,16 +15189,6 @@
                         <a:t>when predicted value is </a:t>
                       </a:r>
                       <a:r>
-                        <a:rPr lang="en-US" sz="2000" dirty="0" err="1" smtClean="0">
-                          <a:solidFill>
-                            <a:srgbClr val="FFFF00"/>
-                          </a:solidFill>
-                          <a:latin typeface="Calibri" panose="020F0502020204030204" pitchFamily="34" charset="0"/>
-                          <a:cs typeface="Calibri" panose="020F0502020204030204" pitchFamily="34" charset="0"/>
-                        </a:rPr>
-                        <a:t>geater</a:t>
-                      </a:r>
-                      <a:r>
                         <a:rPr lang="en-US" sz="2000" dirty="0" smtClean="0">
                           <a:solidFill>
                             <a:srgbClr val="FFFF00"/>
@@ -14962,17 +15196,7 @@
                           <a:latin typeface="Calibri" panose="020F0502020204030204" pitchFamily="34" charset="0"/>
                           <a:cs typeface="Calibri" panose="020F0502020204030204" pitchFamily="34" charset="0"/>
                         </a:rPr>
-                        <a:t> or </a:t>
-                      </a:r>
-                      <a:r>
-                        <a:rPr lang="en-US" sz="2000" dirty="0" err="1" smtClean="0">
-                          <a:solidFill>
-                            <a:srgbClr val="FFFF00"/>
-                          </a:solidFill>
-                          <a:latin typeface="Calibri" panose="020F0502020204030204" pitchFamily="34" charset="0"/>
-                          <a:cs typeface="Calibri" panose="020F0502020204030204" pitchFamily="34" charset="0"/>
-                        </a:rPr>
-                        <a:t>euals</a:t>
+                        <a:t>greater </a:t>
                       </a:r>
                       <a:r>
                         <a:rPr lang="en-US" sz="2000" dirty="0" smtClean="0">
@@ -14982,17 +15206,37 @@
                           <a:latin typeface="Calibri" panose="020F0502020204030204" pitchFamily="34" charset="0"/>
                           <a:cs typeface="Calibri" panose="020F0502020204030204" pitchFamily="34" charset="0"/>
                         </a:rPr>
-                        <a:t> to 1,it is depression induced and if the probability of the predicted values is less than 1, the chest pain type is </a:t>
-                      </a:r>
-                      <a:r>
-                        <a:rPr lang="en-US" sz="2000" dirty="0" err="1" smtClean="0">
+                        <a:t>or </a:t>
+                      </a:r>
+                      <a:r>
+                        <a:rPr lang="en-US" sz="2000" dirty="0" smtClean="0">
                           <a:solidFill>
                             <a:srgbClr val="FFFF00"/>
                           </a:solidFill>
                           <a:latin typeface="Calibri" panose="020F0502020204030204" pitchFamily="34" charset="0"/>
                           <a:cs typeface="Calibri" panose="020F0502020204030204" pitchFamily="34" charset="0"/>
                         </a:rPr>
-                        <a:t>asympomatic</a:t>
+                        <a:t>equals </a:t>
+                      </a:r>
+                      <a:r>
+                        <a:rPr lang="en-US" sz="2000" dirty="0" smtClean="0">
+                          <a:solidFill>
+                            <a:srgbClr val="FFFF00"/>
+                          </a:solidFill>
+                          <a:latin typeface="Calibri" panose="020F0502020204030204" pitchFamily="34" charset="0"/>
+                          <a:cs typeface="Calibri" panose="020F0502020204030204" pitchFamily="34" charset="0"/>
+                        </a:rPr>
+                        <a:t>to 1,it is depression induced and if the probability of the predicted values is less than 1, the chest pain type is </a:t>
+                      </a:r>
+                      <a:r>
+                        <a:rPr lang="en-US" sz="2000" dirty="0" smtClean="0">
+                          <a:solidFill>
+                            <a:srgbClr val="FFFF00"/>
+                          </a:solidFill>
+                          <a:latin typeface="Calibri" panose="020F0502020204030204" pitchFamily="34" charset="0"/>
+                          <a:cs typeface="Calibri" panose="020F0502020204030204" pitchFamily="34" charset="0"/>
+                        </a:rPr>
+                        <a:t>asymptomatic</a:t>
                       </a:r>
                       <a:r>
                         <a:rPr lang="en-US" sz="2000" baseline="0" dirty="0" smtClean="0">
@@ -15002,7 +15246,17 @@
                           <a:latin typeface="Calibri" panose="020F0502020204030204" pitchFamily="34" charset="0"/>
                           <a:cs typeface="Calibri" panose="020F0502020204030204" pitchFamily="34" charset="0"/>
                         </a:rPr>
-                        <a:t> and so on.</a:t>
+                        <a:t> </a:t>
+                      </a:r>
+                      <a:r>
+                        <a:rPr lang="en-US" sz="2000" baseline="0" dirty="0" smtClean="0">
+                          <a:solidFill>
+                            <a:srgbClr val="FFFF00"/>
+                          </a:solidFill>
+                          <a:latin typeface="Calibri" panose="020F0502020204030204" pitchFamily="34" charset="0"/>
+                          <a:cs typeface="Calibri" panose="020F0502020204030204" pitchFamily="34" charset="0"/>
+                        </a:rPr>
+                        <a:t>and so on.</a:t>
                       </a:r>
                       <a:endParaRPr lang="en-US" sz="2000" dirty="0" smtClean="0">
                         <a:solidFill>
@@ -15022,7 +15276,7 @@
       </p:graphicFrame>
       <p:pic>
         <p:nvPicPr>
-          <p:cNvPr id="8" name="Picture 7"/>
+          <p:cNvPr id="2" name="Picture 1"/>
           <p:cNvPicPr>
             <a:picLocks noChangeAspect="1"/>
           </p:cNvPicPr>
@@ -15036,8 +15290,8 @@
         </p:blipFill>
         <p:spPr>
           <a:xfrm>
-            <a:off x="2012812" y="788758"/>
-            <a:ext cx="8445419" cy="5215890"/>
+            <a:off x="1398066" y="616958"/>
+            <a:ext cx="8832912" cy="5460602"/>
           </a:xfrm>
           <a:prstGeom prst="rect">
             <a:avLst/>
